--- a/Team Presentations/LORIS Comms Team Workflow Strategy/LORIS Comms team workflow strategy.pptx
+++ b/Team Presentations/LORIS Comms Team Workflow Strategy/LORIS Comms team workflow strategy.pptx
@@ -109,6 +109,11 @@
       </a:defRPr>
     </a:lvl9pPr>
   </p:defaultTextStyle>
+  <p:extLst>
+    <p:ext uri="{EFAFB233-063F-42B5-8137-9DF3F51BA10A}">
+      <p15:sldGuideLst xmlns:p15="http://schemas.microsoft.com/office/powerpoint/2012/main"/>
+    </p:ext>
+  </p:extLst>
 </p:presentation>
 </file>
 
@@ -5338,6 +5343,49 @@
           </a:p>
         </p:txBody>
       </p:sp>
+      <p:pic>
+        <p:nvPicPr>
+          <p:cNvPr id="5" name="Picture 4">
+            <a:extLst>
+              <a:ext uri="{FF2B5EF4-FFF2-40B4-BE49-F238E27FC236}">
+                <a16:creationId xmlns:a16="http://schemas.microsoft.com/office/drawing/2014/main" id="{BEF57AF3-45F4-46ED-830E-2F4F827F1321}"/>
+              </a:ext>
+            </a:extLst>
+          </p:cNvPr>
+          <p:cNvPicPr>
+            <a:picLocks noChangeAspect="1"/>
+          </p:cNvPicPr>
+          <p:nvPr/>
+        </p:nvPicPr>
+        <p:blipFill>
+          <a:blip r:embed="rId2"/>
+          <a:stretch>
+            <a:fillRect/>
+          </a:stretch>
+        </p:blipFill>
+        <p:spPr>
+          <a:xfrm>
+            <a:off x="9184086" y="3843866"/>
+            <a:ext cx="2833741" cy="2833741"/>
+          </a:xfrm>
+          <a:prstGeom prst="roundRect">
+            <a:avLst>
+              <a:gd name="adj" fmla="val 8594"/>
+            </a:avLst>
+          </a:prstGeom>
+          <a:solidFill>
+            <a:srgbClr val="FFFFFF">
+              <a:shade val="85000"/>
+            </a:srgbClr>
+          </a:solidFill>
+          <a:ln>
+            <a:noFill/>
+          </a:ln>
+          <a:effectLst>
+            <a:reflection blurRad="12700" stA="38000" endPos="28000" dist="5000" dir="5400000" sy="-100000" algn="bl" rotWithShape="0"/>
+          </a:effectLst>
+        </p:spPr>
+      </p:pic>
     </p:spTree>
     <p:extLst>
       <p:ext uri="{BB962C8B-B14F-4D97-AF65-F5344CB8AC3E}">
@@ -5348,13 +5396,13 @@
   <p:clrMapOvr>
     <a:masterClrMapping/>
   </p:clrMapOvr>
-  <mc:AlternateContent xmlns:mc="http://schemas.openxmlformats.org/markup-compatibility/2006">
-    <mc:Choice xmlns:p159="http://schemas.microsoft.com/office/powerpoint/2015/09/main" Requires="p159">
+  <mc:AlternateContent xmlns:mc="http://schemas.openxmlformats.org/markup-compatibility/2006" xmlns:p159="http://schemas.microsoft.com/office/powerpoint/2015/09/main">
+    <mc:Choice Requires="p159">
       <p:transition xmlns:p14="http://schemas.microsoft.com/office/powerpoint/2010/main" spd="slow" p14:dur="2000">
         <p159:morph option="byObject"/>
       </p:transition>
     </mc:Choice>
-    <mc:Fallback>
+    <mc:Fallback xmlns="">
       <p:transition spd="slow">
         <p:fade/>
       </p:transition>
@@ -5464,13 +5512,13 @@
   <p:clrMapOvr>
     <a:masterClrMapping/>
   </p:clrMapOvr>
-  <mc:AlternateContent xmlns:mc="http://schemas.openxmlformats.org/markup-compatibility/2006">
-    <mc:Choice xmlns:p159="http://schemas.microsoft.com/office/powerpoint/2015/09/main" Requires="p159">
+  <mc:AlternateContent xmlns:mc="http://schemas.openxmlformats.org/markup-compatibility/2006" xmlns:p159="http://schemas.microsoft.com/office/powerpoint/2015/09/main">
+    <mc:Choice Requires="p159">
       <p:transition xmlns:p14="http://schemas.microsoft.com/office/powerpoint/2010/main" spd="slow" p14:dur="2000">
         <p159:morph option="byObject"/>
       </p:transition>
     </mc:Choice>
-    <mc:Fallback>
+    <mc:Fallback xmlns="">
       <p:transition spd="slow">
         <p:fade/>
       </p:transition>
@@ -5851,13 +5899,13 @@
   <p:clrMapOvr>
     <a:masterClrMapping/>
   </p:clrMapOvr>
-  <mc:AlternateContent xmlns:mc="http://schemas.openxmlformats.org/markup-compatibility/2006">
-    <mc:Choice xmlns:p159="http://schemas.microsoft.com/office/powerpoint/2015/09/main" Requires="p159">
+  <mc:AlternateContent xmlns:mc="http://schemas.openxmlformats.org/markup-compatibility/2006" xmlns:p159="http://schemas.microsoft.com/office/powerpoint/2015/09/main">
+    <mc:Choice Requires="p159">
       <p:transition xmlns:p14="http://schemas.microsoft.com/office/powerpoint/2010/main" spd="slow" p14:dur="2000">
         <p159:morph option="byObject"/>
       </p:transition>
     </mc:Choice>
-    <mc:Fallback>
+    <mc:Fallback xmlns="">
       <p:transition spd="slow">
         <p:fade/>
       </p:transition>
@@ -6180,13 +6228,13 @@
   <p:clrMapOvr>
     <a:masterClrMapping/>
   </p:clrMapOvr>
-  <mc:AlternateContent xmlns:mc="http://schemas.openxmlformats.org/markup-compatibility/2006">
-    <mc:Choice xmlns:p159="http://schemas.microsoft.com/office/powerpoint/2015/09/main" Requires="p159">
+  <mc:AlternateContent xmlns:mc="http://schemas.openxmlformats.org/markup-compatibility/2006" xmlns:p159="http://schemas.microsoft.com/office/powerpoint/2015/09/main">
+    <mc:Choice Requires="p159">
       <p:transition xmlns:p14="http://schemas.microsoft.com/office/powerpoint/2010/main" spd="slow" p14:dur="2000">
         <p159:morph option="byObject"/>
       </p:transition>
     </mc:Choice>
-    <mc:Fallback>
+    <mc:Fallback xmlns="">
       <p:transition spd="slow">
         <p:fade/>
       </p:transition>
@@ -6506,13 +6554,13 @@
   <p:clrMapOvr>
     <a:masterClrMapping/>
   </p:clrMapOvr>
-  <mc:AlternateContent xmlns:mc="http://schemas.openxmlformats.org/markup-compatibility/2006">
-    <mc:Choice xmlns:p159="http://schemas.microsoft.com/office/powerpoint/2015/09/main" Requires="p159">
+  <mc:AlternateContent xmlns:mc="http://schemas.openxmlformats.org/markup-compatibility/2006" xmlns:p159="http://schemas.microsoft.com/office/powerpoint/2015/09/main">
+    <mc:Choice Requires="p159">
       <p:transition xmlns:p14="http://schemas.microsoft.com/office/powerpoint/2010/main" spd="slow" p14:dur="2000">
         <p159:morph option="byObject"/>
       </p:transition>
     </mc:Choice>
-    <mc:Fallback>
+    <mc:Fallback xmlns="">
       <p:transition spd="slow">
         <p:fade/>
       </p:transition>
@@ -6807,13 +6855,13 @@
   <p:clrMapOvr>
     <a:masterClrMapping/>
   </p:clrMapOvr>
-  <mc:AlternateContent xmlns:mc="http://schemas.openxmlformats.org/markup-compatibility/2006">
-    <mc:Choice xmlns:p159="http://schemas.microsoft.com/office/powerpoint/2015/09/main" Requires="p159">
+  <mc:AlternateContent xmlns:mc="http://schemas.openxmlformats.org/markup-compatibility/2006" xmlns:p159="http://schemas.microsoft.com/office/powerpoint/2015/09/main">
+    <mc:Choice Requires="p159">
       <p:transition xmlns:p14="http://schemas.microsoft.com/office/powerpoint/2010/main" spd="slow" p14:dur="2000">
         <p159:morph option="byObject"/>
       </p:transition>
     </mc:Choice>
-    <mc:Fallback>
+    <mc:Fallback xmlns="">
       <p:transition spd="slow">
         <p:fade/>
       </p:transition>
